--- a/hello-world/MarkerSheets.pptx
+++ b/hello-world/MarkerSheets.pptx
@@ -5,10 +5,11 @@
     <p:sldMasterId id="2147483672" r:id="rId1"/>
   </p:sldMasterIdLst>
   <p:sldIdLst>
-    <p:sldId id="256" r:id="rId2"/>
-    <p:sldId id="257" r:id="rId3"/>
-    <p:sldId id="258" r:id="rId4"/>
-    <p:sldId id="259" r:id="rId5"/>
+    <p:sldId id="260" r:id="rId2"/>
+    <p:sldId id="261" r:id="rId3"/>
+    <p:sldId id="262" r:id="rId4"/>
+    <p:sldId id="263" r:id="rId5"/>
+    <p:sldId id="264" r:id="rId6"/>
   </p:sldIdLst>
   <p:sldSz cx="7772400" cy="10058400"/>
   <p:notesSz cx="9144000" cy="6858000"/>
@@ -107,6 +108,11 @@
       </a:defRPr>
     </a:lvl9pPr>
   </p:defaultTextStyle>
+  <p:extLst>
+    <p:ext uri="{EFAFB233-063F-42B5-8137-9DF3F51BA10A}">
+      <p15:sldGuideLst xmlns:p15="http://schemas.microsoft.com/office/powerpoint/2012/main"/>
+    </p:ext>
+  </p:extLst>
 </p:presentation>
 </file>
 
@@ -241,7 +247,7 @@
           <a:p>
             <a:fld id="{2139F501-057F-4646-94BA-0DA6C6A94164}" type="datetimeFigureOut">
               <a:rPr lang="en-CA" smtClean="0"/>
-              <a:t>2021-01-05</a:t>
+              <a:t>2021-02-28</a:t>
             </a:fld>
             <a:endParaRPr lang="en-CA"/>
           </a:p>
@@ -411,7 +417,7 @@
           <a:p>
             <a:fld id="{2139F501-057F-4646-94BA-0DA6C6A94164}" type="datetimeFigureOut">
               <a:rPr lang="en-CA" smtClean="0"/>
-              <a:t>2021-01-05</a:t>
+              <a:t>2021-02-28</a:t>
             </a:fld>
             <a:endParaRPr lang="en-CA"/>
           </a:p>
@@ -591,7 +597,7 @@
           <a:p>
             <a:fld id="{2139F501-057F-4646-94BA-0DA6C6A94164}" type="datetimeFigureOut">
               <a:rPr lang="en-CA" smtClean="0"/>
-              <a:t>2021-01-05</a:t>
+              <a:t>2021-02-28</a:t>
             </a:fld>
             <a:endParaRPr lang="en-CA"/>
           </a:p>
@@ -761,7 +767,7 @@
           <a:p>
             <a:fld id="{2139F501-057F-4646-94BA-0DA6C6A94164}" type="datetimeFigureOut">
               <a:rPr lang="en-CA" smtClean="0"/>
-              <a:t>2021-01-05</a:t>
+              <a:t>2021-02-28</a:t>
             </a:fld>
             <a:endParaRPr lang="en-CA"/>
           </a:p>
@@ -1005,7 +1011,7 @@
           <a:p>
             <a:fld id="{2139F501-057F-4646-94BA-0DA6C6A94164}" type="datetimeFigureOut">
               <a:rPr lang="en-CA" smtClean="0"/>
-              <a:t>2021-01-05</a:t>
+              <a:t>2021-02-28</a:t>
             </a:fld>
             <a:endParaRPr lang="en-CA"/>
           </a:p>
@@ -1237,7 +1243,7 @@
           <a:p>
             <a:fld id="{2139F501-057F-4646-94BA-0DA6C6A94164}" type="datetimeFigureOut">
               <a:rPr lang="en-CA" smtClean="0"/>
-              <a:t>2021-01-05</a:t>
+              <a:t>2021-02-28</a:t>
             </a:fld>
             <a:endParaRPr lang="en-CA"/>
           </a:p>
@@ -1604,7 +1610,7 @@
           <a:p>
             <a:fld id="{2139F501-057F-4646-94BA-0DA6C6A94164}" type="datetimeFigureOut">
               <a:rPr lang="en-CA" smtClean="0"/>
-              <a:t>2021-01-05</a:t>
+              <a:t>2021-02-28</a:t>
             </a:fld>
             <a:endParaRPr lang="en-CA"/>
           </a:p>
@@ -1722,7 +1728,7 @@
           <a:p>
             <a:fld id="{2139F501-057F-4646-94BA-0DA6C6A94164}" type="datetimeFigureOut">
               <a:rPr lang="en-CA" smtClean="0"/>
-              <a:t>2021-01-05</a:t>
+              <a:t>2021-02-28</a:t>
             </a:fld>
             <a:endParaRPr lang="en-CA"/>
           </a:p>
@@ -1817,7 +1823,7 @@
           <a:p>
             <a:fld id="{2139F501-057F-4646-94BA-0DA6C6A94164}" type="datetimeFigureOut">
               <a:rPr lang="en-CA" smtClean="0"/>
-              <a:t>2021-01-05</a:t>
+              <a:t>2021-02-28</a:t>
             </a:fld>
             <a:endParaRPr lang="en-CA"/>
           </a:p>
@@ -2094,7 +2100,7 @@
           <a:p>
             <a:fld id="{2139F501-057F-4646-94BA-0DA6C6A94164}" type="datetimeFigureOut">
               <a:rPr lang="en-CA" smtClean="0"/>
-              <a:t>2021-01-05</a:t>
+              <a:t>2021-02-28</a:t>
             </a:fld>
             <a:endParaRPr lang="en-CA"/>
           </a:p>
@@ -2351,7 +2357,7 @@
           <a:p>
             <a:fld id="{2139F501-057F-4646-94BA-0DA6C6A94164}" type="datetimeFigureOut">
               <a:rPr lang="en-CA" smtClean="0"/>
-              <a:t>2021-01-05</a:t>
+              <a:t>2021-02-28</a:t>
             </a:fld>
             <a:endParaRPr lang="en-CA"/>
           </a:p>
@@ -2564,7 +2570,7 @@
           <a:p>
             <a:fld id="{2139F501-057F-4646-94BA-0DA6C6A94164}" type="datetimeFigureOut">
               <a:rPr lang="en-CA" smtClean="0"/>
-              <a:t>2021-01-05</a:t>
+              <a:t>2021-02-28</a:t>
             </a:fld>
             <a:endParaRPr lang="en-CA"/>
           </a:p>
@@ -2969,6 +2975,58 @@
           <a:chExt cx="0" cy="0"/>
         </a:xfrm>
       </p:grpSpPr>
+      <p:sp>
+        <p:nvSpPr>
+          <p:cNvPr id="2" name="Rectangle 1">
+            <a:extLst>
+              <a:ext uri="{FF2B5EF4-FFF2-40B4-BE49-F238E27FC236}">
+                <a16:creationId xmlns:a16="http://schemas.microsoft.com/office/drawing/2014/main" id="{05AD0A62-CCBA-44F4-A552-14E1FC01EFDB}"/>
+              </a:ext>
+            </a:extLst>
+          </p:cNvPr>
+          <p:cNvSpPr/>
+          <p:nvPr/>
+        </p:nvSpPr>
+        <p:spPr>
+          <a:xfrm>
+            <a:off x="0" y="0"/>
+            <a:ext cx="7772400" cy="7772400"/>
+          </a:xfrm>
+          <a:prstGeom prst="rect">
+            <a:avLst/>
+          </a:prstGeom>
+          <a:solidFill>
+            <a:schemeClr val="bg1"/>
+          </a:solidFill>
+          <a:ln>
+            <a:noFill/>
+          </a:ln>
+        </p:spPr>
+        <p:style>
+          <a:lnRef idx="2">
+            <a:schemeClr val="accent1">
+              <a:shade val="50000"/>
+            </a:schemeClr>
+          </a:lnRef>
+          <a:fillRef idx="1">
+            <a:schemeClr val="accent1"/>
+          </a:fillRef>
+          <a:effectRef idx="0">
+            <a:schemeClr val="accent1"/>
+          </a:effectRef>
+          <a:fontRef idx="minor">
+            <a:schemeClr val="lt1"/>
+          </a:fontRef>
+        </p:style>
+        <p:txBody>
+          <a:bodyPr rtlCol="0" anchor="ctr"/>
+          <a:lstStyle/>
+          <a:p>
+            <a:pPr algn="ctr"/>
+            <a:endParaRPr lang="en-CA"/>
+          </a:p>
+        </p:txBody>
+      </p:sp>
       <p:pic>
         <p:nvPicPr>
           <p:cNvPr id="5" name="Picture 4">
@@ -2997,8 +3055,8 @@
         </p:blipFill>
         <p:spPr>
           <a:xfrm>
-            <a:off x="286200" y="287522"/>
-            <a:ext cx="7200000" cy="7200000"/>
+            <a:off x="1186200" y="1186200"/>
+            <a:ext cx="5400000" cy="5400000"/>
           </a:xfrm>
           <a:prstGeom prst="rect">
             <a:avLst/>
@@ -3019,8 +3077,8 @@
         </p:nvSpPr>
         <p:spPr>
           <a:xfrm>
-            <a:off x="286200" y="8662882"/>
-            <a:ext cx="7200000" cy="1107996"/>
+            <a:off x="286200" y="7772400"/>
+            <a:ext cx="7200000" cy="1569660"/>
           </a:xfrm>
           <a:prstGeom prst="rect">
             <a:avLst/>
@@ -3035,23 +3093,165 @@
           <a:p>
             <a:pPr algn="ctr"/>
             <a:r>
-              <a:rPr lang="en-US" sz="6600" b="1" dirty="0">
+              <a:rPr lang="en-US" sz="4800" b="1" dirty="0">
                 <a:latin typeface="Courier New" panose="02070309020205020404" pitchFamily="49" charset="0"/>
                 <a:cs typeface="Courier New" panose="02070309020205020404" pitchFamily="49" charset="0"/>
               </a:rPr>
               <a:t>id = 0</a:t>
             </a:r>
-            <a:endParaRPr lang="en-CA" sz="6600" b="1" dirty="0">
+          </a:p>
+          <a:p>
+            <a:pPr algn="ctr"/>
+            <a:r>
+              <a:rPr lang="en-US" sz="4800" b="1" dirty="0">
+                <a:latin typeface="Courier New" panose="02070309020205020404" pitchFamily="49" charset="0"/>
+                <a:cs typeface="Courier New" panose="02070309020205020404" pitchFamily="49" charset="0"/>
+              </a:rPr>
+              <a:t>name = “Name”</a:t>
+            </a:r>
+            <a:endParaRPr lang="en-CA" sz="4800" b="1" dirty="0">
               <a:latin typeface="Courier New" panose="02070309020205020404" pitchFamily="49" charset="0"/>
               <a:cs typeface="Courier New" panose="02070309020205020404" pitchFamily="49" charset="0"/>
             </a:endParaRPr>
           </a:p>
         </p:txBody>
       </p:sp>
+      <p:grpSp>
+        <p:nvGrpSpPr>
+          <p:cNvPr id="8" name="Group 7">
+            <a:extLst>
+              <a:ext uri="{FF2B5EF4-FFF2-40B4-BE49-F238E27FC236}">
+                <a16:creationId xmlns:a16="http://schemas.microsoft.com/office/drawing/2014/main" id="{F68EAE32-87CE-467E-879F-034D519B8F24}"/>
+              </a:ext>
+            </a:extLst>
+          </p:cNvPr>
+          <p:cNvGrpSpPr/>
+          <p:nvPr/>
+        </p:nvGrpSpPr>
+        <p:grpSpPr>
+          <a:xfrm>
+            <a:off x="1186200" y="7018660"/>
+            <a:ext cx="5400000" cy="321280"/>
+            <a:chOff x="1186200" y="6932139"/>
+            <a:chExt cx="5400000" cy="321280"/>
+          </a:xfrm>
+        </p:grpSpPr>
+        <p:cxnSp>
+          <p:nvCxnSpPr>
+            <p:cNvPr id="4" name="Straight Arrow Connector 3">
+              <a:extLst>
+                <a:ext uri="{FF2B5EF4-FFF2-40B4-BE49-F238E27FC236}">
+                  <a16:creationId xmlns:a16="http://schemas.microsoft.com/office/drawing/2014/main" id="{0F6A17D9-8483-4977-B229-A78CE71BE28C}"/>
+                </a:ext>
+              </a:extLst>
+            </p:cNvPr>
+            <p:cNvCxnSpPr/>
+            <p:nvPr/>
+          </p:nvCxnSpPr>
+          <p:spPr>
+            <a:xfrm>
+              <a:off x="1186200" y="7092779"/>
+              <a:ext cx="5400000" cy="0"/>
+            </a:xfrm>
+            <a:prstGeom prst="straightConnector1">
+              <a:avLst/>
+            </a:prstGeom>
+            <a:ln w="76200">
+              <a:solidFill>
+                <a:schemeClr val="tx1"/>
+              </a:solidFill>
+              <a:headEnd type="triangle"/>
+              <a:tailEnd type="triangle"/>
+            </a:ln>
+          </p:spPr>
+          <p:style>
+            <a:lnRef idx="1">
+              <a:schemeClr val="accent1"/>
+            </a:lnRef>
+            <a:fillRef idx="0">
+              <a:schemeClr val="accent1"/>
+            </a:fillRef>
+            <a:effectRef idx="0">
+              <a:schemeClr val="accent1"/>
+            </a:effectRef>
+            <a:fontRef idx="minor">
+              <a:schemeClr val="tx1"/>
+            </a:fontRef>
+          </p:style>
+        </p:cxnSp>
+        <p:sp>
+          <p:nvSpPr>
+            <p:cNvPr id="7" name="Rectangle 6">
+              <a:extLst>
+                <a:ext uri="{FF2B5EF4-FFF2-40B4-BE49-F238E27FC236}">
+                  <a16:creationId xmlns:a16="http://schemas.microsoft.com/office/drawing/2014/main" id="{CC119513-4FC5-4201-BC92-80CB43F85419}"/>
+                </a:ext>
+              </a:extLst>
+            </p:cNvPr>
+            <p:cNvSpPr/>
+            <p:nvPr/>
+          </p:nvSpPr>
+          <p:spPr>
+            <a:xfrm>
+              <a:off x="3365351" y="6932139"/>
+              <a:ext cx="1041699" cy="321280"/>
+            </a:xfrm>
+            <a:prstGeom prst="rect">
+              <a:avLst/>
+            </a:prstGeom>
+            <a:solidFill>
+              <a:schemeClr val="bg1"/>
+            </a:solidFill>
+            <a:ln>
+              <a:noFill/>
+            </a:ln>
+          </p:spPr>
+          <p:style>
+            <a:lnRef idx="2">
+              <a:schemeClr val="accent1">
+                <a:shade val="50000"/>
+              </a:schemeClr>
+            </a:lnRef>
+            <a:fillRef idx="1">
+              <a:schemeClr val="accent1"/>
+            </a:fillRef>
+            <a:effectRef idx="0">
+              <a:schemeClr val="accent1"/>
+            </a:effectRef>
+            <a:fontRef idx="minor">
+              <a:schemeClr val="lt1"/>
+            </a:fontRef>
+          </p:style>
+          <p:txBody>
+            <a:bodyPr lIns="0" tIns="0" rIns="0" bIns="0" rtlCol="0" anchor="ctr"/>
+            <a:lstStyle/>
+            <a:p>
+              <a:pPr algn="ctr"/>
+              <a:r>
+                <a:rPr lang="en-US" sz="2400" b="1" dirty="0">
+                  <a:solidFill>
+                    <a:schemeClr val="tx1"/>
+                  </a:solidFill>
+                  <a:latin typeface="Courier New" panose="02070309020205020404" pitchFamily="49" charset="0"/>
+                  <a:cs typeface="Courier New" panose="02070309020205020404" pitchFamily="49" charset="0"/>
+                </a:rPr>
+                <a:t>15 cm</a:t>
+              </a:r>
+              <a:endParaRPr lang="en-CA" sz="2400" b="1" dirty="0">
+                <a:solidFill>
+                  <a:schemeClr val="tx1"/>
+                </a:solidFill>
+                <a:latin typeface="Courier New" panose="02070309020205020404" pitchFamily="49" charset="0"/>
+                <a:cs typeface="Courier New" panose="02070309020205020404" pitchFamily="49" charset="0"/>
+              </a:endParaRPr>
+            </a:p>
+          </p:txBody>
+        </p:sp>
+      </p:grpSp>
     </p:spTree>
     <p:extLst>
       <p:ext uri="{BB962C8B-B14F-4D97-AF65-F5344CB8AC3E}">
-        <p14:creationId xmlns:p14="http://schemas.microsoft.com/office/powerpoint/2010/main" val="1954745087"/>
+        <p14:creationId xmlns:p14="http://schemas.microsoft.com/office/powerpoint/2010/main" val="538520647"/>
       </p:ext>
     </p:extLst>
   </p:cSld>
@@ -3078,12 +3278,117 @@
           <a:chExt cx="0" cy="0"/>
         </a:xfrm>
       </p:grpSpPr>
+      <p:sp>
+        <p:nvSpPr>
+          <p:cNvPr id="2" name="Rectangle 1">
+            <a:extLst>
+              <a:ext uri="{FF2B5EF4-FFF2-40B4-BE49-F238E27FC236}">
+                <a16:creationId xmlns:a16="http://schemas.microsoft.com/office/drawing/2014/main" id="{05AD0A62-CCBA-44F4-A552-14E1FC01EFDB}"/>
+              </a:ext>
+            </a:extLst>
+          </p:cNvPr>
+          <p:cNvSpPr/>
+          <p:nvPr/>
+        </p:nvSpPr>
+        <p:spPr>
+          <a:xfrm>
+            <a:off x="0" y="0"/>
+            <a:ext cx="7772400" cy="7772400"/>
+          </a:xfrm>
+          <a:prstGeom prst="rect">
+            <a:avLst/>
+          </a:prstGeom>
+          <a:solidFill>
+            <a:schemeClr val="bg1"/>
+          </a:solidFill>
+          <a:ln>
+            <a:noFill/>
+          </a:ln>
+        </p:spPr>
+        <p:style>
+          <a:lnRef idx="2">
+            <a:schemeClr val="accent1">
+              <a:shade val="50000"/>
+            </a:schemeClr>
+          </a:lnRef>
+          <a:fillRef idx="1">
+            <a:schemeClr val="accent1"/>
+          </a:fillRef>
+          <a:effectRef idx="0">
+            <a:schemeClr val="accent1"/>
+          </a:effectRef>
+          <a:fontRef idx="minor">
+            <a:schemeClr val="lt1"/>
+          </a:fontRef>
+        </p:style>
+        <p:txBody>
+          <a:bodyPr rtlCol="0" anchor="ctr"/>
+          <a:lstStyle/>
+          <a:p>
+            <a:pPr algn="ctr"/>
+            <a:endParaRPr lang="en-CA"/>
+          </a:p>
+        </p:txBody>
+      </p:sp>
+      <p:sp>
+        <p:nvSpPr>
+          <p:cNvPr id="6" name="TextBox 5">
+            <a:extLst>
+              <a:ext uri="{FF2B5EF4-FFF2-40B4-BE49-F238E27FC236}">
+                <a16:creationId xmlns:a16="http://schemas.microsoft.com/office/drawing/2014/main" id="{18C4FA25-182D-4887-9C9D-388CF614A78E}"/>
+              </a:ext>
+            </a:extLst>
+          </p:cNvPr>
+          <p:cNvSpPr txBox="1"/>
+          <p:nvPr/>
+        </p:nvSpPr>
+        <p:spPr>
+          <a:xfrm>
+            <a:off x="286200" y="7772400"/>
+            <a:ext cx="7200000" cy="1569660"/>
+          </a:xfrm>
+          <a:prstGeom prst="rect">
+            <a:avLst/>
+          </a:prstGeom>
+          <a:noFill/>
+        </p:spPr>
+        <p:txBody>
+          <a:bodyPr wrap="square" rtlCol="0" anchor="b">
+            <a:spAutoFit/>
+          </a:bodyPr>
+          <a:lstStyle/>
+          <a:p>
+            <a:pPr algn="ctr"/>
+            <a:r>
+              <a:rPr lang="en-US" sz="4800" b="1" dirty="0">
+                <a:latin typeface="Courier New" panose="02070309020205020404" pitchFamily="49" charset="0"/>
+                <a:cs typeface="Courier New" panose="02070309020205020404" pitchFamily="49" charset="0"/>
+              </a:rPr>
+              <a:t>id = 1</a:t>
+            </a:r>
+          </a:p>
+          <a:p>
+            <a:pPr algn="ctr"/>
+            <a:r>
+              <a:rPr lang="en-US" sz="4800" b="1" dirty="0">
+                <a:latin typeface="Courier New" panose="02070309020205020404" pitchFamily="49" charset="0"/>
+                <a:cs typeface="Courier New" panose="02070309020205020404" pitchFamily="49" charset="0"/>
+              </a:rPr>
+              <a:t>name = “Name”</a:t>
+            </a:r>
+            <a:endParaRPr lang="en-CA" sz="4800" b="1" dirty="0">
+              <a:latin typeface="Courier New" panose="02070309020205020404" pitchFamily="49" charset="0"/>
+              <a:cs typeface="Courier New" panose="02070309020205020404" pitchFamily="49" charset="0"/>
+            </a:endParaRPr>
+          </a:p>
+        </p:txBody>
+      </p:sp>
       <p:pic>
         <p:nvPicPr>
-          <p:cNvPr id="3" name="Picture 2" descr="Logo&#10;&#10;Description automatically generated">
+          <p:cNvPr id="7" name="Picture 6" descr="Logo&#10;&#10;Description automatically generated">
             <a:extLst>
               <a:ext uri="{FF2B5EF4-FFF2-40B4-BE49-F238E27FC236}">
-                <a16:creationId xmlns:a16="http://schemas.microsoft.com/office/drawing/2014/main" id="{231A3E67-D2D7-486E-B73F-DF1D77C04CE2}"/>
+                <a16:creationId xmlns:a16="http://schemas.microsoft.com/office/drawing/2014/main" id="{052B644B-0627-4069-BB31-764FB967F7DD}"/>
               </a:ext>
             </a:extLst>
           </p:cNvPr>
@@ -3106,61 +3411,150 @@
         </p:blipFill>
         <p:spPr>
           <a:xfrm>
-            <a:off x="286200" y="287522"/>
-            <a:ext cx="7200000" cy="7200000"/>
+            <a:off x="1186200" y="1186200"/>
+            <a:ext cx="5400000" cy="5400000"/>
           </a:xfrm>
           <a:prstGeom prst="rect">
             <a:avLst/>
           </a:prstGeom>
         </p:spPr>
       </p:pic>
-      <p:sp>
-        <p:nvSpPr>
-          <p:cNvPr id="6" name="TextBox 5">
+      <p:grpSp>
+        <p:nvGrpSpPr>
+          <p:cNvPr id="5" name="Group 4">
             <a:extLst>
               <a:ext uri="{FF2B5EF4-FFF2-40B4-BE49-F238E27FC236}">
-                <a16:creationId xmlns:a16="http://schemas.microsoft.com/office/drawing/2014/main" id="{18C4FA25-182D-4887-9C9D-388CF614A78E}"/>
+                <a16:creationId xmlns:a16="http://schemas.microsoft.com/office/drawing/2014/main" id="{6FE18F6E-D104-4BC5-954D-09313B3490B2}"/>
               </a:ext>
             </a:extLst>
           </p:cNvPr>
-          <p:cNvSpPr txBox="1"/>
+          <p:cNvGrpSpPr/>
           <p:nvPr/>
-        </p:nvSpPr>
-        <p:spPr>
+        </p:nvGrpSpPr>
+        <p:grpSpPr>
           <a:xfrm>
-            <a:off x="286200" y="8662882"/>
-            <a:ext cx="7200000" cy="1107996"/>
+            <a:off x="1186200" y="7018660"/>
+            <a:ext cx="5400000" cy="321280"/>
+            <a:chOff x="1186200" y="6932139"/>
+            <a:chExt cx="5400000" cy="321280"/>
           </a:xfrm>
-          <a:prstGeom prst="rect">
-            <a:avLst/>
-          </a:prstGeom>
-          <a:noFill/>
-        </p:spPr>
-        <p:txBody>
-          <a:bodyPr wrap="square" rtlCol="0" anchor="b">
-            <a:spAutoFit/>
-          </a:bodyPr>
-          <a:lstStyle/>
-          <a:p>
-            <a:pPr algn="ctr"/>
-            <a:r>
-              <a:rPr lang="en-US" sz="6600" b="1" dirty="0">
+        </p:grpSpPr>
+        <p:cxnSp>
+          <p:nvCxnSpPr>
+            <p:cNvPr id="8" name="Straight Arrow Connector 7">
+              <a:extLst>
+                <a:ext uri="{FF2B5EF4-FFF2-40B4-BE49-F238E27FC236}">
+                  <a16:creationId xmlns:a16="http://schemas.microsoft.com/office/drawing/2014/main" id="{5186A06F-51B0-41B2-97EA-0CC56934EFE1}"/>
+                </a:ext>
+              </a:extLst>
+            </p:cNvPr>
+            <p:cNvCxnSpPr/>
+            <p:nvPr/>
+          </p:nvCxnSpPr>
+          <p:spPr>
+            <a:xfrm>
+              <a:off x="1186200" y="7092779"/>
+              <a:ext cx="5400000" cy="0"/>
+            </a:xfrm>
+            <a:prstGeom prst="straightConnector1">
+              <a:avLst/>
+            </a:prstGeom>
+            <a:ln w="76200">
+              <a:solidFill>
+                <a:schemeClr val="tx1"/>
+              </a:solidFill>
+              <a:headEnd type="triangle"/>
+              <a:tailEnd type="triangle"/>
+            </a:ln>
+          </p:spPr>
+          <p:style>
+            <a:lnRef idx="1">
+              <a:schemeClr val="accent1"/>
+            </a:lnRef>
+            <a:fillRef idx="0">
+              <a:schemeClr val="accent1"/>
+            </a:fillRef>
+            <a:effectRef idx="0">
+              <a:schemeClr val="accent1"/>
+            </a:effectRef>
+            <a:fontRef idx="minor">
+              <a:schemeClr val="tx1"/>
+            </a:fontRef>
+          </p:style>
+        </p:cxnSp>
+        <p:sp>
+          <p:nvSpPr>
+            <p:cNvPr id="9" name="Rectangle 8">
+              <a:extLst>
+                <a:ext uri="{FF2B5EF4-FFF2-40B4-BE49-F238E27FC236}">
+                  <a16:creationId xmlns:a16="http://schemas.microsoft.com/office/drawing/2014/main" id="{4B9BF475-5757-482C-966E-650BACD24890}"/>
+                </a:ext>
+              </a:extLst>
+            </p:cNvPr>
+            <p:cNvSpPr/>
+            <p:nvPr/>
+          </p:nvSpPr>
+          <p:spPr>
+            <a:xfrm>
+              <a:off x="3365351" y="6932139"/>
+              <a:ext cx="1041699" cy="321280"/>
+            </a:xfrm>
+            <a:prstGeom prst="rect">
+              <a:avLst/>
+            </a:prstGeom>
+            <a:solidFill>
+              <a:schemeClr val="bg1"/>
+            </a:solidFill>
+            <a:ln>
+              <a:noFill/>
+            </a:ln>
+          </p:spPr>
+          <p:style>
+            <a:lnRef idx="2">
+              <a:schemeClr val="accent1">
+                <a:shade val="50000"/>
+              </a:schemeClr>
+            </a:lnRef>
+            <a:fillRef idx="1">
+              <a:schemeClr val="accent1"/>
+            </a:fillRef>
+            <a:effectRef idx="0">
+              <a:schemeClr val="accent1"/>
+            </a:effectRef>
+            <a:fontRef idx="minor">
+              <a:schemeClr val="lt1"/>
+            </a:fontRef>
+          </p:style>
+          <p:txBody>
+            <a:bodyPr lIns="0" tIns="0" rIns="0" bIns="0" rtlCol="0" anchor="ctr"/>
+            <a:lstStyle/>
+            <a:p>
+              <a:pPr algn="ctr"/>
+              <a:r>
+                <a:rPr lang="en-US" sz="2400" b="1" dirty="0">
+                  <a:solidFill>
+                    <a:schemeClr val="tx1"/>
+                  </a:solidFill>
+                  <a:latin typeface="Courier New" panose="02070309020205020404" pitchFamily="49" charset="0"/>
+                  <a:cs typeface="Courier New" panose="02070309020205020404" pitchFamily="49" charset="0"/>
+                </a:rPr>
+                <a:t>15 cm</a:t>
+              </a:r>
+              <a:endParaRPr lang="en-CA" sz="2400" b="1" dirty="0">
+                <a:solidFill>
+                  <a:schemeClr val="tx1"/>
+                </a:solidFill>
                 <a:latin typeface="Courier New" panose="02070309020205020404" pitchFamily="49" charset="0"/>
                 <a:cs typeface="Courier New" panose="02070309020205020404" pitchFamily="49" charset="0"/>
-              </a:rPr>
-              <a:t>id = 1</a:t>
-            </a:r>
-            <a:endParaRPr lang="en-CA" sz="6600" b="1" dirty="0">
-              <a:latin typeface="Courier New" panose="02070309020205020404" pitchFamily="49" charset="0"/>
-              <a:cs typeface="Courier New" panose="02070309020205020404" pitchFamily="49" charset="0"/>
-            </a:endParaRPr>
-          </a:p>
-        </p:txBody>
-      </p:sp>
+              </a:endParaRPr>
+            </a:p>
+          </p:txBody>
+        </p:sp>
+      </p:grpSp>
     </p:spTree>
     <p:extLst>
       <p:ext uri="{BB962C8B-B14F-4D97-AF65-F5344CB8AC3E}">
-        <p14:creationId xmlns:p14="http://schemas.microsoft.com/office/powerpoint/2010/main" val="206644876"/>
+        <p14:creationId xmlns:p14="http://schemas.microsoft.com/office/powerpoint/2010/main" val="3242694347"/>
       </p:ext>
     </p:extLst>
   </p:cSld>
@@ -3187,12 +3581,117 @@
           <a:chExt cx="0" cy="0"/>
         </a:xfrm>
       </p:grpSpPr>
+      <p:sp>
+        <p:nvSpPr>
+          <p:cNvPr id="2" name="Rectangle 1">
+            <a:extLst>
+              <a:ext uri="{FF2B5EF4-FFF2-40B4-BE49-F238E27FC236}">
+                <a16:creationId xmlns:a16="http://schemas.microsoft.com/office/drawing/2014/main" id="{05AD0A62-CCBA-44F4-A552-14E1FC01EFDB}"/>
+              </a:ext>
+            </a:extLst>
+          </p:cNvPr>
+          <p:cNvSpPr/>
+          <p:nvPr/>
+        </p:nvSpPr>
+        <p:spPr>
+          <a:xfrm>
+            <a:off x="0" y="0"/>
+            <a:ext cx="7772400" cy="7772400"/>
+          </a:xfrm>
+          <a:prstGeom prst="rect">
+            <a:avLst/>
+          </a:prstGeom>
+          <a:solidFill>
+            <a:schemeClr val="bg1"/>
+          </a:solidFill>
+          <a:ln>
+            <a:noFill/>
+          </a:ln>
+        </p:spPr>
+        <p:style>
+          <a:lnRef idx="2">
+            <a:schemeClr val="accent1">
+              <a:shade val="50000"/>
+            </a:schemeClr>
+          </a:lnRef>
+          <a:fillRef idx="1">
+            <a:schemeClr val="accent1"/>
+          </a:fillRef>
+          <a:effectRef idx="0">
+            <a:schemeClr val="accent1"/>
+          </a:effectRef>
+          <a:fontRef idx="minor">
+            <a:schemeClr val="lt1"/>
+          </a:fontRef>
+        </p:style>
+        <p:txBody>
+          <a:bodyPr rtlCol="0" anchor="ctr"/>
+          <a:lstStyle/>
+          <a:p>
+            <a:pPr algn="ctr"/>
+            <a:endParaRPr lang="en-CA"/>
+          </a:p>
+        </p:txBody>
+      </p:sp>
+      <p:sp>
+        <p:nvSpPr>
+          <p:cNvPr id="6" name="TextBox 5">
+            <a:extLst>
+              <a:ext uri="{FF2B5EF4-FFF2-40B4-BE49-F238E27FC236}">
+                <a16:creationId xmlns:a16="http://schemas.microsoft.com/office/drawing/2014/main" id="{18C4FA25-182D-4887-9C9D-388CF614A78E}"/>
+              </a:ext>
+            </a:extLst>
+          </p:cNvPr>
+          <p:cNvSpPr txBox="1"/>
+          <p:nvPr/>
+        </p:nvSpPr>
+        <p:spPr>
+          <a:xfrm>
+            <a:off x="286200" y="7772400"/>
+            <a:ext cx="7200000" cy="1569660"/>
+          </a:xfrm>
+          <a:prstGeom prst="rect">
+            <a:avLst/>
+          </a:prstGeom>
+          <a:noFill/>
+        </p:spPr>
+        <p:txBody>
+          <a:bodyPr wrap="square" rtlCol="0" anchor="b">
+            <a:spAutoFit/>
+          </a:bodyPr>
+          <a:lstStyle/>
+          <a:p>
+            <a:pPr algn="ctr"/>
+            <a:r>
+              <a:rPr lang="en-US" sz="4800" b="1" dirty="0">
+                <a:latin typeface="Courier New" panose="02070309020205020404" pitchFamily="49" charset="0"/>
+                <a:cs typeface="Courier New" panose="02070309020205020404" pitchFamily="49" charset="0"/>
+              </a:rPr>
+              <a:t>id = 2</a:t>
+            </a:r>
+          </a:p>
+          <a:p>
+            <a:pPr algn="ctr"/>
+            <a:r>
+              <a:rPr lang="en-US" sz="4800" b="1" dirty="0">
+                <a:latin typeface="Courier New" panose="02070309020205020404" pitchFamily="49" charset="0"/>
+                <a:cs typeface="Courier New" panose="02070309020205020404" pitchFamily="49" charset="0"/>
+              </a:rPr>
+              <a:t>name = “Name”</a:t>
+            </a:r>
+            <a:endParaRPr lang="en-CA" sz="4800" b="1" dirty="0">
+              <a:latin typeface="Courier New" panose="02070309020205020404" pitchFamily="49" charset="0"/>
+              <a:cs typeface="Courier New" panose="02070309020205020404" pitchFamily="49" charset="0"/>
+            </a:endParaRPr>
+          </a:p>
+        </p:txBody>
+      </p:sp>
       <p:pic>
         <p:nvPicPr>
-          <p:cNvPr id="4" name="Picture 3" descr="Logo&#10;&#10;Description automatically generated">
+          <p:cNvPr id="7" name="Picture 6" descr="Logo&#10;&#10;Description automatically generated">
             <a:extLst>
               <a:ext uri="{FF2B5EF4-FFF2-40B4-BE49-F238E27FC236}">
-                <a16:creationId xmlns:a16="http://schemas.microsoft.com/office/drawing/2014/main" id="{6EE65235-9533-41B4-AD94-8795AA2D31D8}"/>
+                <a16:creationId xmlns:a16="http://schemas.microsoft.com/office/drawing/2014/main" id="{B43812B7-0F7E-4958-B510-0E4AACE395C2}"/>
               </a:ext>
             </a:extLst>
           </p:cNvPr>
@@ -3215,61 +3714,150 @@
         </p:blipFill>
         <p:spPr>
           <a:xfrm>
-            <a:off x="286200" y="287522"/>
-            <a:ext cx="7200000" cy="7200000"/>
+            <a:off x="1186200" y="1186200"/>
+            <a:ext cx="5400000" cy="5400000"/>
           </a:xfrm>
           <a:prstGeom prst="rect">
             <a:avLst/>
           </a:prstGeom>
         </p:spPr>
       </p:pic>
-      <p:sp>
-        <p:nvSpPr>
-          <p:cNvPr id="6" name="TextBox 5">
+      <p:grpSp>
+        <p:nvGrpSpPr>
+          <p:cNvPr id="5" name="Group 4">
             <a:extLst>
               <a:ext uri="{FF2B5EF4-FFF2-40B4-BE49-F238E27FC236}">
-                <a16:creationId xmlns:a16="http://schemas.microsoft.com/office/drawing/2014/main" id="{18C4FA25-182D-4887-9C9D-388CF614A78E}"/>
+                <a16:creationId xmlns:a16="http://schemas.microsoft.com/office/drawing/2014/main" id="{17AE0099-6D1F-4FCD-87D5-7059D0CF7378}"/>
               </a:ext>
             </a:extLst>
           </p:cNvPr>
-          <p:cNvSpPr txBox="1"/>
+          <p:cNvGrpSpPr/>
           <p:nvPr/>
-        </p:nvSpPr>
-        <p:spPr>
+        </p:nvGrpSpPr>
+        <p:grpSpPr>
           <a:xfrm>
-            <a:off x="286200" y="8662882"/>
-            <a:ext cx="7200000" cy="1107996"/>
+            <a:off x="1186200" y="7018660"/>
+            <a:ext cx="5400000" cy="321280"/>
+            <a:chOff x="1186200" y="6932139"/>
+            <a:chExt cx="5400000" cy="321280"/>
           </a:xfrm>
-          <a:prstGeom prst="rect">
-            <a:avLst/>
-          </a:prstGeom>
-          <a:noFill/>
-        </p:spPr>
-        <p:txBody>
-          <a:bodyPr wrap="square" rtlCol="0" anchor="b">
-            <a:spAutoFit/>
-          </a:bodyPr>
-          <a:lstStyle/>
-          <a:p>
-            <a:pPr algn="ctr"/>
-            <a:r>
-              <a:rPr lang="en-US" sz="6600" b="1" dirty="0">
+        </p:grpSpPr>
+        <p:cxnSp>
+          <p:nvCxnSpPr>
+            <p:cNvPr id="8" name="Straight Arrow Connector 7">
+              <a:extLst>
+                <a:ext uri="{FF2B5EF4-FFF2-40B4-BE49-F238E27FC236}">
+                  <a16:creationId xmlns:a16="http://schemas.microsoft.com/office/drawing/2014/main" id="{E40E64B6-CF56-42CB-8F06-BB9D67B07167}"/>
+                </a:ext>
+              </a:extLst>
+            </p:cNvPr>
+            <p:cNvCxnSpPr/>
+            <p:nvPr/>
+          </p:nvCxnSpPr>
+          <p:spPr>
+            <a:xfrm>
+              <a:off x="1186200" y="7092779"/>
+              <a:ext cx="5400000" cy="0"/>
+            </a:xfrm>
+            <a:prstGeom prst="straightConnector1">
+              <a:avLst/>
+            </a:prstGeom>
+            <a:ln w="76200">
+              <a:solidFill>
+                <a:schemeClr val="tx1"/>
+              </a:solidFill>
+              <a:headEnd type="triangle"/>
+              <a:tailEnd type="triangle"/>
+            </a:ln>
+          </p:spPr>
+          <p:style>
+            <a:lnRef idx="1">
+              <a:schemeClr val="accent1"/>
+            </a:lnRef>
+            <a:fillRef idx="0">
+              <a:schemeClr val="accent1"/>
+            </a:fillRef>
+            <a:effectRef idx="0">
+              <a:schemeClr val="accent1"/>
+            </a:effectRef>
+            <a:fontRef idx="minor">
+              <a:schemeClr val="tx1"/>
+            </a:fontRef>
+          </p:style>
+        </p:cxnSp>
+        <p:sp>
+          <p:nvSpPr>
+            <p:cNvPr id="9" name="Rectangle 8">
+              <a:extLst>
+                <a:ext uri="{FF2B5EF4-FFF2-40B4-BE49-F238E27FC236}">
+                  <a16:creationId xmlns:a16="http://schemas.microsoft.com/office/drawing/2014/main" id="{1E0B16E3-D95C-4A59-BD4F-21B4F6BA575A}"/>
+                </a:ext>
+              </a:extLst>
+            </p:cNvPr>
+            <p:cNvSpPr/>
+            <p:nvPr/>
+          </p:nvSpPr>
+          <p:spPr>
+            <a:xfrm>
+              <a:off x="3365351" y="6932139"/>
+              <a:ext cx="1041699" cy="321280"/>
+            </a:xfrm>
+            <a:prstGeom prst="rect">
+              <a:avLst/>
+            </a:prstGeom>
+            <a:solidFill>
+              <a:schemeClr val="bg1"/>
+            </a:solidFill>
+            <a:ln>
+              <a:noFill/>
+            </a:ln>
+          </p:spPr>
+          <p:style>
+            <a:lnRef idx="2">
+              <a:schemeClr val="accent1">
+                <a:shade val="50000"/>
+              </a:schemeClr>
+            </a:lnRef>
+            <a:fillRef idx="1">
+              <a:schemeClr val="accent1"/>
+            </a:fillRef>
+            <a:effectRef idx="0">
+              <a:schemeClr val="accent1"/>
+            </a:effectRef>
+            <a:fontRef idx="minor">
+              <a:schemeClr val="lt1"/>
+            </a:fontRef>
+          </p:style>
+          <p:txBody>
+            <a:bodyPr lIns="0" tIns="0" rIns="0" bIns="0" rtlCol="0" anchor="ctr"/>
+            <a:lstStyle/>
+            <a:p>
+              <a:pPr algn="ctr"/>
+              <a:r>
+                <a:rPr lang="en-US" sz="2400" b="1" dirty="0">
+                  <a:solidFill>
+                    <a:schemeClr val="tx1"/>
+                  </a:solidFill>
+                  <a:latin typeface="Courier New" panose="02070309020205020404" pitchFamily="49" charset="0"/>
+                  <a:cs typeface="Courier New" panose="02070309020205020404" pitchFamily="49" charset="0"/>
+                </a:rPr>
+                <a:t>15 cm</a:t>
+              </a:r>
+              <a:endParaRPr lang="en-CA" sz="2400" b="1" dirty="0">
+                <a:solidFill>
+                  <a:schemeClr val="tx1"/>
+                </a:solidFill>
                 <a:latin typeface="Courier New" panose="02070309020205020404" pitchFamily="49" charset="0"/>
                 <a:cs typeface="Courier New" panose="02070309020205020404" pitchFamily="49" charset="0"/>
-              </a:rPr>
-              <a:t>id = 2</a:t>
-            </a:r>
-            <a:endParaRPr lang="en-CA" sz="6600" b="1" dirty="0">
-              <a:latin typeface="Courier New" panose="02070309020205020404" pitchFamily="49" charset="0"/>
-              <a:cs typeface="Courier New" panose="02070309020205020404" pitchFamily="49" charset="0"/>
-            </a:endParaRPr>
-          </a:p>
-        </p:txBody>
-      </p:sp>
+              </a:endParaRPr>
+            </a:p>
+          </p:txBody>
+        </p:sp>
+      </p:grpSp>
     </p:spTree>
     <p:extLst>
       <p:ext uri="{BB962C8B-B14F-4D97-AF65-F5344CB8AC3E}">
-        <p14:creationId xmlns:p14="http://schemas.microsoft.com/office/powerpoint/2010/main" val="4282617435"/>
+        <p14:creationId xmlns:p14="http://schemas.microsoft.com/office/powerpoint/2010/main" val="950978024"/>
       </p:ext>
     </p:extLst>
   </p:cSld>
@@ -3296,12 +3884,249 @@
           <a:chExt cx="0" cy="0"/>
         </a:xfrm>
       </p:grpSpPr>
+      <p:sp>
+        <p:nvSpPr>
+          <p:cNvPr id="2" name="Rectangle 1">
+            <a:extLst>
+              <a:ext uri="{FF2B5EF4-FFF2-40B4-BE49-F238E27FC236}">
+                <a16:creationId xmlns:a16="http://schemas.microsoft.com/office/drawing/2014/main" id="{05AD0A62-CCBA-44F4-A552-14E1FC01EFDB}"/>
+              </a:ext>
+            </a:extLst>
+          </p:cNvPr>
+          <p:cNvSpPr/>
+          <p:nvPr/>
+        </p:nvSpPr>
+        <p:spPr>
+          <a:xfrm>
+            <a:off x="0" y="0"/>
+            <a:ext cx="7772400" cy="7772400"/>
+          </a:xfrm>
+          <a:prstGeom prst="rect">
+            <a:avLst/>
+          </a:prstGeom>
+          <a:solidFill>
+            <a:schemeClr val="bg1"/>
+          </a:solidFill>
+          <a:ln>
+            <a:noFill/>
+          </a:ln>
+        </p:spPr>
+        <p:style>
+          <a:lnRef idx="2">
+            <a:schemeClr val="accent1">
+              <a:shade val="50000"/>
+            </a:schemeClr>
+          </a:lnRef>
+          <a:fillRef idx="1">
+            <a:schemeClr val="accent1"/>
+          </a:fillRef>
+          <a:effectRef idx="0">
+            <a:schemeClr val="accent1"/>
+          </a:effectRef>
+          <a:fontRef idx="minor">
+            <a:schemeClr val="lt1"/>
+          </a:fontRef>
+        </p:style>
+        <p:txBody>
+          <a:bodyPr rtlCol="0" anchor="ctr"/>
+          <a:lstStyle/>
+          <a:p>
+            <a:pPr algn="ctr"/>
+            <a:endParaRPr lang="en-CA"/>
+          </a:p>
+        </p:txBody>
+      </p:sp>
+      <p:sp>
+        <p:nvSpPr>
+          <p:cNvPr id="6" name="TextBox 5">
+            <a:extLst>
+              <a:ext uri="{FF2B5EF4-FFF2-40B4-BE49-F238E27FC236}">
+                <a16:creationId xmlns:a16="http://schemas.microsoft.com/office/drawing/2014/main" id="{18C4FA25-182D-4887-9C9D-388CF614A78E}"/>
+              </a:ext>
+            </a:extLst>
+          </p:cNvPr>
+          <p:cNvSpPr txBox="1"/>
+          <p:nvPr/>
+        </p:nvSpPr>
+        <p:spPr>
+          <a:xfrm>
+            <a:off x="286200" y="7772400"/>
+            <a:ext cx="7200000" cy="1569660"/>
+          </a:xfrm>
+          <a:prstGeom prst="rect">
+            <a:avLst/>
+          </a:prstGeom>
+          <a:noFill/>
+        </p:spPr>
+        <p:txBody>
+          <a:bodyPr wrap="square" rtlCol="0" anchor="b">
+            <a:spAutoFit/>
+          </a:bodyPr>
+          <a:lstStyle/>
+          <a:p>
+            <a:pPr algn="ctr"/>
+            <a:r>
+              <a:rPr lang="en-US" sz="4800" b="1" dirty="0">
+                <a:latin typeface="Courier New" panose="02070309020205020404" pitchFamily="49" charset="0"/>
+                <a:cs typeface="Courier New" panose="02070309020205020404" pitchFamily="49" charset="0"/>
+              </a:rPr>
+              <a:t>id = 3</a:t>
+            </a:r>
+          </a:p>
+          <a:p>
+            <a:pPr algn="ctr"/>
+            <a:r>
+              <a:rPr lang="en-US" sz="4800" b="1" dirty="0">
+                <a:latin typeface="Courier New" panose="02070309020205020404" pitchFamily="49" charset="0"/>
+                <a:cs typeface="Courier New" panose="02070309020205020404" pitchFamily="49" charset="0"/>
+              </a:rPr>
+              <a:t>name = “Name”</a:t>
+            </a:r>
+            <a:endParaRPr lang="en-CA" sz="4800" b="1" dirty="0">
+              <a:latin typeface="Courier New" panose="02070309020205020404" pitchFamily="49" charset="0"/>
+              <a:cs typeface="Courier New" panose="02070309020205020404" pitchFamily="49" charset="0"/>
+            </a:endParaRPr>
+          </a:p>
+        </p:txBody>
+      </p:sp>
+      <p:grpSp>
+        <p:nvGrpSpPr>
+          <p:cNvPr id="7" name="Group 6">
+            <a:extLst>
+              <a:ext uri="{FF2B5EF4-FFF2-40B4-BE49-F238E27FC236}">
+                <a16:creationId xmlns:a16="http://schemas.microsoft.com/office/drawing/2014/main" id="{BD6DCBF1-B25E-42FE-A417-8AC42AF7DDF0}"/>
+              </a:ext>
+            </a:extLst>
+          </p:cNvPr>
+          <p:cNvGrpSpPr/>
+          <p:nvPr/>
+        </p:nvGrpSpPr>
+        <p:grpSpPr>
+          <a:xfrm>
+            <a:off x="1186200" y="7018660"/>
+            <a:ext cx="5400000" cy="321280"/>
+            <a:chOff x="1186200" y="6932139"/>
+            <a:chExt cx="5400000" cy="321280"/>
+          </a:xfrm>
+        </p:grpSpPr>
+        <p:cxnSp>
+          <p:nvCxnSpPr>
+            <p:cNvPr id="8" name="Straight Arrow Connector 7">
+              <a:extLst>
+                <a:ext uri="{FF2B5EF4-FFF2-40B4-BE49-F238E27FC236}">
+                  <a16:creationId xmlns:a16="http://schemas.microsoft.com/office/drawing/2014/main" id="{76EF9451-2132-4F14-8FE0-46CC74D96DFB}"/>
+                </a:ext>
+              </a:extLst>
+            </p:cNvPr>
+            <p:cNvCxnSpPr/>
+            <p:nvPr/>
+          </p:nvCxnSpPr>
+          <p:spPr>
+            <a:xfrm>
+              <a:off x="1186200" y="7092779"/>
+              <a:ext cx="5400000" cy="0"/>
+            </a:xfrm>
+            <a:prstGeom prst="straightConnector1">
+              <a:avLst/>
+            </a:prstGeom>
+            <a:ln w="76200">
+              <a:solidFill>
+                <a:schemeClr val="tx1"/>
+              </a:solidFill>
+              <a:headEnd type="triangle"/>
+              <a:tailEnd type="triangle"/>
+            </a:ln>
+          </p:spPr>
+          <p:style>
+            <a:lnRef idx="1">
+              <a:schemeClr val="accent1"/>
+            </a:lnRef>
+            <a:fillRef idx="0">
+              <a:schemeClr val="accent1"/>
+            </a:fillRef>
+            <a:effectRef idx="0">
+              <a:schemeClr val="accent1"/>
+            </a:effectRef>
+            <a:fontRef idx="minor">
+              <a:schemeClr val="tx1"/>
+            </a:fontRef>
+          </p:style>
+        </p:cxnSp>
+        <p:sp>
+          <p:nvSpPr>
+            <p:cNvPr id="9" name="Rectangle 8">
+              <a:extLst>
+                <a:ext uri="{FF2B5EF4-FFF2-40B4-BE49-F238E27FC236}">
+                  <a16:creationId xmlns:a16="http://schemas.microsoft.com/office/drawing/2014/main" id="{57A78A40-1A79-4EA5-ABE0-BB9733C6523B}"/>
+                </a:ext>
+              </a:extLst>
+            </p:cNvPr>
+            <p:cNvSpPr/>
+            <p:nvPr/>
+          </p:nvSpPr>
+          <p:spPr>
+            <a:xfrm>
+              <a:off x="3365351" y="6932139"/>
+              <a:ext cx="1041699" cy="321280"/>
+            </a:xfrm>
+            <a:prstGeom prst="rect">
+              <a:avLst/>
+            </a:prstGeom>
+            <a:solidFill>
+              <a:schemeClr val="bg1"/>
+            </a:solidFill>
+            <a:ln>
+              <a:noFill/>
+            </a:ln>
+          </p:spPr>
+          <p:style>
+            <a:lnRef idx="2">
+              <a:schemeClr val="accent1">
+                <a:shade val="50000"/>
+              </a:schemeClr>
+            </a:lnRef>
+            <a:fillRef idx="1">
+              <a:schemeClr val="accent1"/>
+            </a:fillRef>
+            <a:effectRef idx="0">
+              <a:schemeClr val="accent1"/>
+            </a:effectRef>
+            <a:fontRef idx="minor">
+              <a:schemeClr val="lt1"/>
+            </a:fontRef>
+          </p:style>
+          <p:txBody>
+            <a:bodyPr lIns="0" tIns="0" rIns="0" bIns="0" rtlCol="0" anchor="ctr"/>
+            <a:lstStyle/>
+            <a:p>
+              <a:pPr algn="ctr"/>
+              <a:r>
+                <a:rPr lang="en-US" sz="2400" b="1" dirty="0">
+                  <a:solidFill>
+                    <a:schemeClr val="tx1"/>
+                  </a:solidFill>
+                  <a:latin typeface="Courier New" panose="02070309020205020404" pitchFamily="49" charset="0"/>
+                  <a:cs typeface="Courier New" panose="02070309020205020404" pitchFamily="49" charset="0"/>
+                </a:rPr>
+                <a:t>15 cm</a:t>
+              </a:r>
+              <a:endParaRPr lang="en-CA" sz="2400" b="1" dirty="0">
+                <a:solidFill>
+                  <a:schemeClr val="tx1"/>
+                </a:solidFill>
+                <a:latin typeface="Courier New" panose="02070309020205020404" pitchFamily="49" charset="0"/>
+                <a:cs typeface="Courier New" panose="02070309020205020404" pitchFamily="49" charset="0"/>
+              </a:endParaRPr>
+            </a:p>
+          </p:txBody>
+        </p:sp>
+      </p:grpSp>
       <p:pic>
         <p:nvPicPr>
-          <p:cNvPr id="3" name="Picture 2" descr="Logo&#10;&#10;Description automatically generated">
+          <p:cNvPr id="4" name="Picture 3" descr="Logo&#10;&#10;Description automatically generated">
             <a:extLst>
               <a:ext uri="{FF2B5EF4-FFF2-40B4-BE49-F238E27FC236}">
-                <a16:creationId xmlns:a16="http://schemas.microsoft.com/office/drawing/2014/main" id="{75B126C5-4607-44D4-8E29-51AEE26B8B67}"/>
+                <a16:creationId xmlns:a16="http://schemas.microsoft.com/office/drawing/2014/main" id="{B9F29EB4-2970-4E82-A481-BAF3B8848A81}"/>
               </a:ext>
             </a:extLst>
           </p:cNvPr>
@@ -3324,14 +4149,96 @@
         </p:blipFill>
         <p:spPr>
           <a:xfrm>
-            <a:off x="286200" y="287522"/>
-            <a:ext cx="7200000" cy="7200000"/>
+            <a:off x="1186200" y="1186200"/>
+            <a:ext cx="5400000" cy="5400000"/>
           </a:xfrm>
           <a:prstGeom prst="rect">
             <a:avLst/>
           </a:prstGeom>
         </p:spPr>
       </p:pic>
+    </p:spTree>
+    <p:extLst>
+      <p:ext uri="{BB962C8B-B14F-4D97-AF65-F5344CB8AC3E}">
+        <p14:creationId xmlns:p14="http://schemas.microsoft.com/office/powerpoint/2010/main" val="2233785109"/>
+      </p:ext>
+    </p:extLst>
+  </p:cSld>
+  <p:clrMapOvr>
+    <a:masterClrMapping/>
+  </p:clrMapOvr>
+</p:sld>
+</file>
+
+<file path=ppt/slides/slide5.xml><?xml version="1.0" encoding="utf-8"?>
+<p:sld xmlns:a="http://schemas.openxmlformats.org/drawingml/2006/main" xmlns:r="http://schemas.openxmlformats.org/officeDocument/2006/relationships" xmlns:p="http://schemas.openxmlformats.org/presentationml/2006/main">
+  <p:cSld>
+    <p:spTree>
+      <p:nvGrpSpPr>
+        <p:cNvPr id="1" name=""/>
+        <p:cNvGrpSpPr/>
+        <p:nvPr/>
+      </p:nvGrpSpPr>
+      <p:grpSpPr>
+        <a:xfrm>
+          <a:off x="0" y="0"/>
+          <a:ext cx="0" cy="0"/>
+          <a:chOff x="0" y="0"/>
+          <a:chExt cx="0" cy="0"/>
+        </a:xfrm>
+      </p:grpSpPr>
+      <p:sp>
+        <p:nvSpPr>
+          <p:cNvPr id="2" name="Rectangle 1">
+            <a:extLst>
+              <a:ext uri="{FF2B5EF4-FFF2-40B4-BE49-F238E27FC236}">
+                <a16:creationId xmlns:a16="http://schemas.microsoft.com/office/drawing/2014/main" id="{05AD0A62-CCBA-44F4-A552-14E1FC01EFDB}"/>
+              </a:ext>
+            </a:extLst>
+          </p:cNvPr>
+          <p:cNvSpPr/>
+          <p:nvPr/>
+        </p:nvSpPr>
+        <p:spPr>
+          <a:xfrm>
+            <a:off x="0" y="0"/>
+            <a:ext cx="7772400" cy="7772400"/>
+          </a:xfrm>
+          <a:prstGeom prst="rect">
+            <a:avLst/>
+          </a:prstGeom>
+          <a:solidFill>
+            <a:schemeClr val="bg1"/>
+          </a:solidFill>
+          <a:ln>
+            <a:noFill/>
+          </a:ln>
+        </p:spPr>
+        <p:style>
+          <a:lnRef idx="2">
+            <a:schemeClr val="accent1">
+              <a:shade val="50000"/>
+            </a:schemeClr>
+          </a:lnRef>
+          <a:fillRef idx="1">
+            <a:schemeClr val="accent1"/>
+          </a:fillRef>
+          <a:effectRef idx="0">
+            <a:schemeClr val="accent1"/>
+          </a:effectRef>
+          <a:fontRef idx="minor">
+            <a:schemeClr val="lt1"/>
+          </a:fontRef>
+        </p:style>
+        <p:txBody>
+          <a:bodyPr rtlCol="0" anchor="ctr"/>
+          <a:lstStyle/>
+          <a:p>
+            <a:pPr algn="ctr"/>
+            <a:endParaRPr lang="en-CA"/>
+          </a:p>
+        </p:txBody>
+      </p:sp>
       <p:sp>
         <p:nvSpPr>
           <p:cNvPr id="6" name="TextBox 5">
@@ -3346,8 +4253,8 @@
         </p:nvSpPr>
         <p:spPr>
           <a:xfrm>
-            <a:off x="286200" y="8662882"/>
-            <a:ext cx="7200000" cy="1107996"/>
+            <a:off x="286200" y="7772400"/>
+            <a:ext cx="7200000" cy="1569660"/>
           </a:xfrm>
           <a:prstGeom prst="rect">
             <a:avLst/>
@@ -3362,23 +4269,201 @@
           <a:p>
             <a:pPr algn="ctr"/>
             <a:r>
-              <a:rPr lang="en-US" sz="6600" b="1" dirty="0">
+              <a:rPr lang="en-US" sz="4800" b="1" dirty="0">
                 <a:latin typeface="Courier New" panose="02070309020205020404" pitchFamily="49" charset="0"/>
                 <a:cs typeface="Courier New" panose="02070309020205020404" pitchFamily="49" charset="0"/>
               </a:rPr>
-              <a:t>id = 3</a:t>
-            </a:r>
-            <a:endParaRPr lang="en-CA" sz="6600" b="1" dirty="0">
+              <a:t>id = 4</a:t>
+            </a:r>
+          </a:p>
+          <a:p>
+            <a:pPr algn="ctr"/>
+            <a:r>
+              <a:rPr lang="en-US" sz="4800" b="1" dirty="0">
+                <a:latin typeface="Courier New" panose="02070309020205020404" pitchFamily="49" charset="0"/>
+                <a:cs typeface="Courier New" panose="02070309020205020404" pitchFamily="49" charset="0"/>
+              </a:rPr>
+              <a:t>name = “Name”</a:t>
+            </a:r>
+            <a:endParaRPr lang="en-CA" sz="4800" b="1" dirty="0">
               <a:latin typeface="Courier New" panose="02070309020205020404" pitchFamily="49" charset="0"/>
               <a:cs typeface="Courier New" panose="02070309020205020404" pitchFamily="49" charset="0"/>
             </a:endParaRPr>
           </a:p>
         </p:txBody>
       </p:sp>
+      <p:pic>
+        <p:nvPicPr>
+          <p:cNvPr id="4" name="Picture 3" descr="Logo, qr code&#10;&#10;Description automatically generated">
+            <a:extLst>
+              <a:ext uri="{FF2B5EF4-FFF2-40B4-BE49-F238E27FC236}">
+                <a16:creationId xmlns:a16="http://schemas.microsoft.com/office/drawing/2014/main" id="{035401CB-A56B-4505-A9E8-5AFB956A0D2E}"/>
+              </a:ext>
+            </a:extLst>
+          </p:cNvPr>
+          <p:cNvPicPr>
+            <a:picLocks noChangeAspect="1"/>
+          </p:cNvPicPr>
+          <p:nvPr/>
+        </p:nvPicPr>
+        <p:blipFill>
+          <a:blip r:embed="rId2">
+            <a:extLst>
+              <a:ext uri="{28A0092B-C50C-407E-A947-70E740481C1C}">
+                <a14:useLocalDpi xmlns:a14="http://schemas.microsoft.com/office/drawing/2010/main" val="0"/>
+              </a:ext>
+            </a:extLst>
+          </a:blip>
+          <a:stretch>
+            <a:fillRect/>
+          </a:stretch>
+        </p:blipFill>
+        <p:spPr>
+          <a:xfrm>
+            <a:off x="1186200" y="1186200"/>
+            <a:ext cx="5400000" cy="5400000"/>
+          </a:xfrm>
+          <a:prstGeom prst="rect">
+            <a:avLst/>
+          </a:prstGeom>
+        </p:spPr>
+      </p:pic>
+      <p:grpSp>
+        <p:nvGrpSpPr>
+          <p:cNvPr id="5" name="Group 4">
+            <a:extLst>
+              <a:ext uri="{FF2B5EF4-FFF2-40B4-BE49-F238E27FC236}">
+                <a16:creationId xmlns:a16="http://schemas.microsoft.com/office/drawing/2014/main" id="{517B52B6-4F27-43BF-86F8-FC8C0CCE95F8}"/>
+              </a:ext>
+            </a:extLst>
+          </p:cNvPr>
+          <p:cNvGrpSpPr/>
+          <p:nvPr/>
+        </p:nvGrpSpPr>
+        <p:grpSpPr>
+          <a:xfrm>
+            <a:off x="1186200" y="7018660"/>
+            <a:ext cx="5400000" cy="321280"/>
+            <a:chOff x="1186200" y="6932139"/>
+            <a:chExt cx="5400000" cy="321280"/>
+          </a:xfrm>
+        </p:grpSpPr>
+        <p:cxnSp>
+          <p:nvCxnSpPr>
+            <p:cNvPr id="7" name="Straight Arrow Connector 6">
+              <a:extLst>
+                <a:ext uri="{FF2B5EF4-FFF2-40B4-BE49-F238E27FC236}">
+                  <a16:creationId xmlns:a16="http://schemas.microsoft.com/office/drawing/2014/main" id="{F9C9F245-C152-477E-9F0B-42DA10D73186}"/>
+                </a:ext>
+              </a:extLst>
+            </p:cNvPr>
+            <p:cNvCxnSpPr/>
+            <p:nvPr/>
+          </p:nvCxnSpPr>
+          <p:spPr>
+            <a:xfrm>
+              <a:off x="1186200" y="7092779"/>
+              <a:ext cx="5400000" cy="0"/>
+            </a:xfrm>
+            <a:prstGeom prst="straightConnector1">
+              <a:avLst/>
+            </a:prstGeom>
+            <a:ln w="76200">
+              <a:solidFill>
+                <a:schemeClr val="tx1"/>
+              </a:solidFill>
+              <a:headEnd type="triangle"/>
+              <a:tailEnd type="triangle"/>
+            </a:ln>
+          </p:spPr>
+          <p:style>
+            <a:lnRef idx="1">
+              <a:schemeClr val="accent1"/>
+            </a:lnRef>
+            <a:fillRef idx="0">
+              <a:schemeClr val="accent1"/>
+            </a:fillRef>
+            <a:effectRef idx="0">
+              <a:schemeClr val="accent1"/>
+            </a:effectRef>
+            <a:fontRef idx="minor">
+              <a:schemeClr val="tx1"/>
+            </a:fontRef>
+          </p:style>
+        </p:cxnSp>
+        <p:sp>
+          <p:nvSpPr>
+            <p:cNvPr id="8" name="Rectangle 7">
+              <a:extLst>
+                <a:ext uri="{FF2B5EF4-FFF2-40B4-BE49-F238E27FC236}">
+                  <a16:creationId xmlns:a16="http://schemas.microsoft.com/office/drawing/2014/main" id="{12561951-D485-446F-81CA-8449AE9B92DD}"/>
+                </a:ext>
+              </a:extLst>
+            </p:cNvPr>
+            <p:cNvSpPr/>
+            <p:nvPr/>
+          </p:nvSpPr>
+          <p:spPr>
+            <a:xfrm>
+              <a:off x="3365351" y="6932139"/>
+              <a:ext cx="1041699" cy="321280"/>
+            </a:xfrm>
+            <a:prstGeom prst="rect">
+              <a:avLst/>
+            </a:prstGeom>
+            <a:solidFill>
+              <a:schemeClr val="bg1"/>
+            </a:solidFill>
+            <a:ln>
+              <a:noFill/>
+            </a:ln>
+          </p:spPr>
+          <p:style>
+            <a:lnRef idx="2">
+              <a:schemeClr val="accent1">
+                <a:shade val="50000"/>
+              </a:schemeClr>
+            </a:lnRef>
+            <a:fillRef idx="1">
+              <a:schemeClr val="accent1"/>
+            </a:fillRef>
+            <a:effectRef idx="0">
+              <a:schemeClr val="accent1"/>
+            </a:effectRef>
+            <a:fontRef idx="minor">
+              <a:schemeClr val="lt1"/>
+            </a:fontRef>
+          </p:style>
+          <p:txBody>
+            <a:bodyPr lIns="0" tIns="0" rIns="0" bIns="0" rtlCol="0" anchor="ctr"/>
+            <a:lstStyle/>
+            <a:p>
+              <a:pPr algn="ctr"/>
+              <a:r>
+                <a:rPr lang="en-US" sz="2400" b="1" dirty="0">
+                  <a:solidFill>
+                    <a:schemeClr val="tx1"/>
+                  </a:solidFill>
+                  <a:latin typeface="Courier New" panose="02070309020205020404" pitchFamily="49" charset="0"/>
+                  <a:cs typeface="Courier New" panose="02070309020205020404" pitchFamily="49" charset="0"/>
+                </a:rPr>
+                <a:t>15 cm</a:t>
+              </a:r>
+              <a:endParaRPr lang="en-CA" sz="2400" b="1" dirty="0">
+                <a:solidFill>
+                  <a:schemeClr val="tx1"/>
+                </a:solidFill>
+                <a:latin typeface="Courier New" panose="02070309020205020404" pitchFamily="49" charset="0"/>
+                <a:cs typeface="Courier New" panose="02070309020205020404" pitchFamily="49" charset="0"/>
+              </a:endParaRPr>
+            </a:p>
+          </p:txBody>
+        </p:sp>
+      </p:grpSp>
     </p:spTree>
     <p:extLst>
       <p:ext uri="{BB962C8B-B14F-4D97-AF65-F5344CB8AC3E}">
-        <p14:creationId xmlns:p14="http://schemas.microsoft.com/office/powerpoint/2010/main" val="2825785636"/>
+        <p14:creationId xmlns:p14="http://schemas.microsoft.com/office/powerpoint/2010/main" val="3299739507"/>
       </p:ext>
     </p:extLst>
   </p:cSld>
